--- a/documents/05_Application_structure.pptx
+++ b/documents/05_Application_structure.pptx
@@ -10,10 +10,12 @@
     <p:sldId id="258" r:id="rId4"/>
     <p:sldId id="259" r:id="rId5"/>
     <p:sldId id="260" r:id="rId6"/>
-    <p:sldId id="261" r:id="rId7"/>
-    <p:sldId id="262" r:id="rId8"/>
-    <p:sldId id="263" r:id="rId9"/>
-    <p:sldId id="264" r:id="rId10"/>
+    <p:sldId id="265" r:id="rId7"/>
+    <p:sldId id="261" r:id="rId8"/>
+    <p:sldId id="262" r:id="rId9"/>
+    <p:sldId id="266" r:id="rId10"/>
+    <p:sldId id="263" r:id="rId11"/>
+    <p:sldId id="264" r:id="rId12"/>
   </p:sldIdLst>
   <p:sldSz cx="12192000" cy="6858000"/>
   <p:notesSz cx="6858000" cy="9144000"/>
@@ -112,6 +114,11 @@
       </a:defRPr>
     </a:lvl9pPr>
   </p:defaultTextStyle>
+  <p:extLst>
+    <p:ext uri="{EFAFB233-063F-42B5-8137-9DF3F51BA10A}">
+      <p15:sldGuideLst xmlns:p15="http://schemas.microsoft.com/office/powerpoint/2012/main"/>
+    </p:ext>
+  </p:extLst>
 </p:presentation>
 </file>
 
@@ -246,7 +253,7 @@
           <a:p>
             <a:fld id="{49B330EA-056B-4601-A003-7A2D7A1F549D}" type="datetimeFigureOut">
               <a:rPr lang="en-US" smtClean="0"/>
-              <a:t>2/17/2017</a:t>
+              <a:t>2/24/2017</a:t>
             </a:fld>
             <a:endParaRPr lang="en-US"/>
           </a:p>
@@ -416,7 +423,7 @@
           <a:p>
             <a:fld id="{49B330EA-056B-4601-A003-7A2D7A1F549D}" type="datetimeFigureOut">
               <a:rPr lang="en-US" smtClean="0"/>
-              <a:t>2/17/2017</a:t>
+              <a:t>2/24/2017</a:t>
             </a:fld>
             <a:endParaRPr lang="en-US"/>
           </a:p>
@@ -596,7 +603,7 @@
           <a:p>
             <a:fld id="{49B330EA-056B-4601-A003-7A2D7A1F549D}" type="datetimeFigureOut">
               <a:rPr lang="en-US" smtClean="0"/>
-              <a:t>2/17/2017</a:t>
+              <a:t>2/24/2017</a:t>
             </a:fld>
             <a:endParaRPr lang="en-US"/>
           </a:p>
@@ -766,7 +773,7 @@
           <a:p>
             <a:fld id="{49B330EA-056B-4601-A003-7A2D7A1F549D}" type="datetimeFigureOut">
               <a:rPr lang="en-US" smtClean="0"/>
-              <a:t>2/17/2017</a:t>
+              <a:t>2/24/2017</a:t>
             </a:fld>
             <a:endParaRPr lang="en-US"/>
           </a:p>
@@ -1012,7 +1019,7 @@
           <a:p>
             <a:fld id="{49B330EA-056B-4601-A003-7A2D7A1F549D}" type="datetimeFigureOut">
               <a:rPr lang="en-US" smtClean="0"/>
-              <a:t>2/17/2017</a:t>
+              <a:t>2/24/2017</a:t>
             </a:fld>
             <a:endParaRPr lang="en-US"/>
           </a:p>
@@ -1244,7 +1251,7 @@
           <a:p>
             <a:fld id="{49B330EA-056B-4601-A003-7A2D7A1F549D}" type="datetimeFigureOut">
               <a:rPr lang="en-US" smtClean="0"/>
-              <a:t>2/17/2017</a:t>
+              <a:t>2/24/2017</a:t>
             </a:fld>
             <a:endParaRPr lang="en-US"/>
           </a:p>
@@ -1611,7 +1618,7 @@
           <a:p>
             <a:fld id="{49B330EA-056B-4601-A003-7A2D7A1F549D}" type="datetimeFigureOut">
               <a:rPr lang="en-US" smtClean="0"/>
-              <a:t>2/17/2017</a:t>
+              <a:t>2/24/2017</a:t>
             </a:fld>
             <a:endParaRPr lang="en-US"/>
           </a:p>
@@ -1729,7 +1736,7 @@
           <a:p>
             <a:fld id="{49B330EA-056B-4601-A003-7A2D7A1F549D}" type="datetimeFigureOut">
               <a:rPr lang="en-US" smtClean="0"/>
-              <a:t>2/17/2017</a:t>
+              <a:t>2/24/2017</a:t>
             </a:fld>
             <a:endParaRPr lang="en-US"/>
           </a:p>
@@ -1824,7 +1831,7 @@
           <a:p>
             <a:fld id="{49B330EA-056B-4601-A003-7A2D7A1F549D}" type="datetimeFigureOut">
               <a:rPr lang="en-US" smtClean="0"/>
-              <a:t>2/17/2017</a:t>
+              <a:t>2/24/2017</a:t>
             </a:fld>
             <a:endParaRPr lang="en-US"/>
           </a:p>
@@ -2101,7 +2108,7 @@
           <a:p>
             <a:fld id="{49B330EA-056B-4601-A003-7A2D7A1F549D}" type="datetimeFigureOut">
               <a:rPr lang="en-US" smtClean="0"/>
-              <a:t>2/17/2017</a:t>
+              <a:t>2/24/2017</a:t>
             </a:fld>
             <a:endParaRPr lang="en-US"/>
           </a:p>
@@ -2354,7 +2361,7 @@
           <a:p>
             <a:fld id="{49B330EA-056B-4601-A003-7A2D7A1F549D}" type="datetimeFigureOut">
               <a:rPr lang="en-US" smtClean="0"/>
-              <a:t>2/17/2017</a:t>
+              <a:t>2/24/2017</a:t>
             </a:fld>
             <a:endParaRPr lang="en-US"/>
           </a:p>
@@ -2567,7 +2574,7 @@
           <a:p>
             <a:fld id="{49B330EA-056B-4601-A003-7A2D7A1F549D}" type="datetimeFigureOut">
               <a:rPr lang="en-US" smtClean="0"/>
-              <a:t>2/17/2017</a:t>
+              <a:t>2/24/2017</a:t>
             </a:fld>
             <a:endParaRPr lang="en-US"/>
           </a:p>
@@ -3059,7 +3066,7 @@
 </p:sld>
 </file>
 
-<file path=ppt/slides/slide2.xml><?xml version="1.0" encoding="utf-8"?>
+<file path=ppt/slides/slide10.xml><?xml version="1.0" encoding="utf-8"?>
 <p:sld xmlns:a="http://schemas.openxmlformats.org/drawingml/2006/main" xmlns:r="http://schemas.openxmlformats.org/officeDocument/2006/relationships" xmlns:p="http://schemas.openxmlformats.org/presentationml/2006/main">
   <p:cSld>
     <p:spTree>
@@ -3092,8 +3099,20 @@
           <a:lstStyle/>
           <a:p>
             <a:r>
+              <a:rPr lang="en-US" dirty="0"/>
+              <a:t>9</a:t>
+            </a:r>
+            <a:r>
               <a:rPr lang="en-US" dirty="0" smtClean="0"/>
-              <a:t>1. Project location</a:t>
+              <a:t>. </a:t>
+            </a:r>
+            <a:r>
+              <a:rPr lang="en-US" dirty="0" err="1" smtClean="0"/>
+              <a:t>Configs</a:t>
+            </a:r>
+            <a:r>
+              <a:rPr lang="en-US" dirty="0" smtClean="0"/>
+              <a:t> Directory</a:t>
             </a:r>
             <a:endParaRPr lang="en-US" dirty="0"/>
           </a:p>
@@ -3117,8 +3136,725 @@
         </p:blipFill>
         <p:spPr>
           <a:xfrm>
-            <a:off x="596400" y="1690688"/>
-            <a:ext cx="3457575" cy="3981450"/>
+            <a:off x="838200" y="1690688"/>
+            <a:ext cx="3267075" cy="4200525"/>
+          </a:xfrm>
+          <a:prstGeom prst="rect">
+            <a:avLst/>
+          </a:prstGeom>
+        </p:spPr>
+      </p:pic>
+      <p:sp>
+        <p:nvSpPr>
+          <p:cNvPr id="5" name="Rectangle 4"/>
+          <p:cNvSpPr/>
+          <p:nvPr/>
+        </p:nvSpPr>
+        <p:spPr>
+          <a:xfrm>
+            <a:off x="4528457" y="1690688"/>
+            <a:ext cx="6514012" cy="3281906"/>
+          </a:xfrm>
+          <a:prstGeom prst="rect">
+            <a:avLst/>
+          </a:prstGeom>
+          <a:noFill/>
+        </p:spPr>
+        <p:style>
+          <a:lnRef idx="2">
+            <a:schemeClr val="accent1">
+              <a:shade val="50000"/>
+            </a:schemeClr>
+          </a:lnRef>
+          <a:fillRef idx="1">
+            <a:schemeClr val="accent1"/>
+          </a:fillRef>
+          <a:effectRef idx="0">
+            <a:schemeClr val="accent1"/>
+          </a:effectRef>
+          <a:fontRef idx="minor">
+            <a:schemeClr val="lt1"/>
+          </a:fontRef>
+        </p:style>
+        <p:txBody>
+          <a:bodyPr rtlCol="0" anchor="ctr"/>
+          <a:lstStyle/>
+          <a:p>
+            <a:r>
+              <a:rPr lang="en-US" dirty="0" smtClean="0">
+                <a:solidFill>
+                  <a:schemeClr val="tx1"/>
+                </a:solidFill>
+              </a:rPr>
+              <a:t>-</a:t>
+            </a:r>
+            <a:r>
+              <a:rPr lang="en-US" dirty="0" err="1" smtClean="0">
+                <a:solidFill>
+                  <a:schemeClr val="tx1"/>
+                </a:solidFill>
+              </a:rPr>
+              <a:t>configs</a:t>
+            </a:r>
+            <a:endParaRPr lang="en-US" dirty="0" smtClean="0">
+              <a:solidFill>
+                <a:schemeClr val="tx1"/>
+              </a:solidFill>
+            </a:endParaRPr>
+          </a:p>
+          <a:p>
+            <a:r>
+              <a:rPr lang="en-US" dirty="0" smtClean="0">
+                <a:solidFill>
+                  <a:schemeClr val="tx1"/>
+                </a:solidFill>
+              </a:rPr>
+              <a:t>-db2</a:t>
+            </a:r>
+          </a:p>
+          <a:p>
+            <a:r>
+              <a:rPr lang="en-US" dirty="0" smtClean="0">
+                <a:solidFill>
+                  <a:schemeClr val="tx1"/>
+                </a:solidFill>
+              </a:rPr>
+              <a:t>-</a:t>
+            </a:r>
+            <a:r>
+              <a:rPr lang="en-US" dirty="0" err="1" smtClean="0">
+                <a:solidFill>
+                  <a:schemeClr val="tx1"/>
+                </a:solidFill>
+              </a:rPr>
+              <a:t>mongodb</a:t>
+            </a:r>
+            <a:endParaRPr lang="en-US" dirty="0" smtClean="0">
+              <a:solidFill>
+                <a:schemeClr val="tx1"/>
+              </a:solidFill>
+            </a:endParaRPr>
+          </a:p>
+          <a:p>
+            <a:r>
+              <a:rPr lang="en-US" dirty="0" smtClean="0">
+                <a:solidFill>
+                  <a:schemeClr val="tx1"/>
+                </a:solidFill>
+              </a:rPr>
+              <a:t>-</a:t>
+            </a:r>
+            <a:r>
+              <a:rPr lang="en-US" dirty="0" err="1" smtClean="0">
+                <a:solidFill>
+                  <a:schemeClr val="tx1"/>
+                </a:solidFill>
+              </a:rPr>
+              <a:t>mysql</a:t>
+            </a:r>
+            <a:endParaRPr lang="en-US" dirty="0" smtClean="0">
+              <a:solidFill>
+                <a:schemeClr val="tx1"/>
+              </a:solidFill>
+            </a:endParaRPr>
+          </a:p>
+          <a:p>
+            <a:r>
+              <a:rPr lang="en-US" dirty="0" smtClean="0">
+                <a:solidFill>
+                  <a:schemeClr val="tx1"/>
+                </a:solidFill>
+              </a:rPr>
+              <a:t>-oracle</a:t>
+            </a:r>
+          </a:p>
+          <a:p>
+            <a:r>
+              <a:rPr lang="en-US" dirty="0" smtClean="0">
+                <a:solidFill>
+                  <a:schemeClr val="tx1"/>
+                </a:solidFill>
+              </a:rPr>
+              <a:t>-</a:t>
+            </a:r>
+            <a:r>
+              <a:rPr lang="en-US" dirty="0" err="1" smtClean="0">
+                <a:solidFill>
+                  <a:schemeClr val="tx1"/>
+                </a:solidFill>
+              </a:rPr>
+              <a:t>postgresql</a:t>
+            </a:r>
+            <a:endParaRPr lang="en-US" dirty="0" smtClean="0">
+              <a:solidFill>
+                <a:schemeClr val="tx1"/>
+              </a:solidFill>
+            </a:endParaRPr>
+          </a:p>
+          <a:p>
+            <a:r>
+              <a:rPr lang="en-US" dirty="0" smtClean="0">
+                <a:solidFill>
+                  <a:schemeClr val="tx1"/>
+                </a:solidFill>
+              </a:rPr>
+              <a:t>-</a:t>
+            </a:r>
+            <a:r>
+              <a:rPr lang="en-US" dirty="0" err="1" smtClean="0">
+                <a:solidFill>
+                  <a:schemeClr val="tx1"/>
+                </a:solidFill>
+              </a:rPr>
+              <a:t>sql</a:t>
+            </a:r>
+            <a:endParaRPr lang="en-US" dirty="0" smtClean="0">
+              <a:solidFill>
+                <a:schemeClr val="tx1"/>
+              </a:solidFill>
+            </a:endParaRPr>
+          </a:p>
+          <a:p>
+            <a:endParaRPr lang="en-US" dirty="0">
+              <a:solidFill>
+                <a:schemeClr val="tx1"/>
+              </a:solidFill>
+            </a:endParaRPr>
+          </a:p>
+          <a:p>
+            <a:r>
+              <a:rPr lang="en-US" dirty="0" smtClean="0">
+                <a:solidFill>
+                  <a:srgbClr val="FF0000"/>
+                </a:solidFill>
+              </a:rPr>
+              <a:t>Note:</a:t>
+            </a:r>
+          </a:p>
+          <a:p>
+            <a:pPr marL="285750" indent="-285750">
+              <a:buFontTx/>
+              <a:buChar char="-"/>
+            </a:pPr>
+            <a:r>
+              <a:rPr lang="en-US" dirty="0" err="1" smtClean="0">
+                <a:solidFill>
+                  <a:srgbClr val="FF0000"/>
+                </a:solidFill>
+              </a:rPr>
+              <a:t>application.properties</a:t>
+            </a:r>
+            <a:r>
+              <a:rPr lang="en-US" dirty="0" smtClean="0">
+                <a:solidFill>
+                  <a:srgbClr val="FF0000"/>
+                </a:solidFill>
+              </a:rPr>
+              <a:t> file is </a:t>
+            </a:r>
+            <a:r>
+              <a:rPr lang="en-US" dirty="0" err="1" smtClean="0">
+                <a:solidFill>
+                  <a:srgbClr val="FF0000"/>
+                </a:solidFill>
+              </a:rPr>
+              <a:t>SpringBoot</a:t>
+            </a:r>
+            <a:r>
+              <a:rPr lang="en-US" dirty="0" smtClean="0">
+                <a:solidFill>
+                  <a:srgbClr val="FF0000"/>
+                </a:solidFill>
+              </a:rPr>
+              <a:t> and Database </a:t>
+            </a:r>
+            <a:r>
+              <a:rPr lang="en-US" dirty="0" err="1" smtClean="0">
+                <a:solidFill>
+                  <a:srgbClr val="FF0000"/>
+                </a:solidFill>
+              </a:rPr>
+              <a:t>config</a:t>
+            </a:r>
+            <a:r>
+              <a:rPr lang="en-US" dirty="0" smtClean="0">
+                <a:solidFill>
+                  <a:srgbClr val="FF0000"/>
+                </a:solidFill>
+              </a:rPr>
+              <a:t> file</a:t>
+            </a:r>
+          </a:p>
+          <a:p>
+            <a:pPr marL="285750" indent="-285750">
+              <a:buFontTx/>
+              <a:buChar char="-"/>
+            </a:pPr>
+            <a:r>
+              <a:rPr lang="en-US" dirty="0" smtClean="0">
+                <a:solidFill>
+                  <a:srgbClr val="FF0000"/>
+                </a:solidFill>
+              </a:rPr>
+              <a:t>*.jar file is JAVA database driver file</a:t>
+            </a:r>
+            <a:endParaRPr lang="en-US" dirty="0">
+              <a:solidFill>
+                <a:srgbClr val="FF0000"/>
+              </a:solidFill>
+            </a:endParaRPr>
+          </a:p>
+        </p:txBody>
+      </p:sp>
+      <p:sp>
+        <p:nvSpPr>
+          <p:cNvPr id="6" name="TextBox 5"/>
+          <p:cNvSpPr txBox="1"/>
+          <p:nvPr/>
+        </p:nvSpPr>
+        <p:spPr>
+          <a:xfrm>
+            <a:off x="838200" y="5891213"/>
+            <a:ext cx="8126624" cy="738664"/>
+          </a:xfrm>
+          <a:prstGeom prst="rect">
+            <a:avLst/>
+          </a:prstGeom>
+          <a:noFill/>
+        </p:spPr>
+        <p:txBody>
+          <a:bodyPr wrap="square" rtlCol="0">
+            <a:spAutoFit/>
+          </a:bodyPr>
+          <a:lstStyle/>
+          <a:p>
+            <a:r>
+              <a:rPr lang="en-US" sz="1400" dirty="0" smtClean="0">
+                <a:solidFill>
+                  <a:schemeClr val="accent1"/>
+                </a:solidFill>
+              </a:rPr>
+              <a:t>Contains:</a:t>
+            </a:r>
+          </a:p>
+          <a:p>
+            <a:pPr marL="342900" indent="-342900">
+              <a:buAutoNum type="arabicPeriod"/>
+            </a:pPr>
+            <a:r>
+              <a:rPr lang="en-US" sz="1400" dirty="0" smtClean="0">
+                <a:solidFill>
+                  <a:schemeClr val="accent1"/>
+                </a:solidFill>
+              </a:rPr>
+              <a:t>All </a:t>
+            </a:r>
+            <a:r>
+              <a:rPr lang="en-US" sz="1400" dirty="0" err="1" smtClean="0">
+                <a:solidFill>
+                  <a:schemeClr val="accent1"/>
+                </a:solidFill>
+              </a:rPr>
+              <a:t>config</a:t>
+            </a:r>
+            <a:r>
+              <a:rPr lang="en-US" sz="1400" dirty="0" smtClean="0">
+                <a:solidFill>
+                  <a:schemeClr val="accent1"/>
+                </a:solidFill>
+              </a:rPr>
+              <a:t> files for war generation.</a:t>
+            </a:r>
+          </a:p>
+          <a:p>
+            <a:pPr marL="342900" indent="-342900">
+              <a:buAutoNum type="arabicPeriod"/>
+            </a:pPr>
+            <a:r>
+              <a:rPr lang="en-US" sz="1400" dirty="0" err="1" smtClean="0">
+                <a:solidFill>
+                  <a:schemeClr val="accent1"/>
+                </a:solidFill>
+              </a:rPr>
+              <a:t>Build.gradle</a:t>
+            </a:r>
+            <a:r>
+              <a:rPr lang="en-US" sz="1400" dirty="0" smtClean="0">
+                <a:solidFill>
+                  <a:schemeClr val="accent1"/>
+                </a:solidFill>
+              </a:rPr>
+              <a:t> includes these files while generating the war files</a:t>
+            </a:r>
+          </a:p>
+        </p:txBody>
+      </p:sp>
+    </p:spTree>
+    <p:extLst>
+      <p:ext uri="{BB962C8B-B14F-4D97-AF65-F5344CB8AC3E}">
+        <p14:creationId xmlns:p14="http://schemas.microsoft.com/office/powerpoint/2010/main" val="2294914125"/>
+      </p:ext>
+    </p:extLst>
+  </p:cSld>
+  <p:clrMapOvr>
+    <a:masterClrMapping/>
+  </p:clrMapOvr>
+</p:sld>
+</file>
+
+<file path=ppt/slides/slide11.xml><?xml version="1.0" encoding="utf-8"?>
+<p:sld xmlns:a="http://schemas.openxmlformats.org/drawingml/2006/main" xmlns:r="http://schemas.openxmlformats.org/officeDocument/2006/relationships" xmlns:p="http://schemas.openxmlformats.org/presentationml/2006/main">
+  <p:cSld>
+    <p:spTree>
+      <p:nvGrpSpPr>
+        <p:cNvPr id="1" name=""/>
+        <p:cNvGrpSpPr/>
+        <p:nvPr/>
+      </p:nvGrpSpPr>
+      <p:grpSpPr>
+        <a:xfrm>
+          <a:off x="0" y="0"/>
+          <a:ext cx="0" cy="0"/>
+          <a:chOff x="0" y="0"/>
+          <a:chExt cx="0" cy="0"/>
+        </a:xfrm>
+      </p:grpSpPr>
+      <p:sp>
+        <p:nvSpPr>
+          <p:cNvPr id="2" name="Title 1"/>
+          <p:cNvSpPr>
+            <a:spLocks noGrp="1"/>
+          </p:cNvSpPr>
+          <p:nvPr>
+            <p:ph type="title"/>
+          </p:nvPr>
+        </p:nvSpPr>
+        <p:spPr>
+          <a:xfrm>
+            <a:off x="1082040" y="2594519"/>
+            <a:ext cx="10515600" cy="1325563"/>
+          </a:xfrm>
+        </p:spPr>
+        <p:txBody>
+          <a:bodyPr/>
+          <a:lstStyle/>
+          <a:p>
+            <a:pPr algn="ctr"/>
+            <a:r>
+              <a:rPr lang="en-US" dirty="0" smtClean="0"/>
+              <a:t>EOF</a:t>
+            </a:r>
+            <a:endParaRPr lang="en-US" dirty="0"/>
+          </a:p>
+        </p:txBody>
+      </p:sp>
+    </p:spTree>
+    <p:extLst>
+      <p:ext uri="{BB962C8B-B14F-4D97-AF65-F5344CB8AC3E}">
+        <p14:creationId xmlns:p14="http://schemas.microsoft.com/office/powerpoint/2010/main" val="3844894207"/>
+      </p:ext>
+    </p:extLst>
+  </p:cSld>
+  <p:clrMapOvr>
+    <a:masterClrMapping/>
+  </p:clrMapOvr>
+</p:sld>
+</file>
+
+<file path=ppt/slides/slide2.xml><?xml version="1.0" encoding="utf-8"?>
+<p:sld xmlns:a="http://schemas.openxmlformats.org/drawingml/2006/main" xmlns:r="http://schemas.openxmlformats.org/officeDocument/2006/relationships" xmlns:p="http://schemas.openxmlformats.org/presentationml/2006/main">
+  <p:cSld>
+    <p:spTree>
+      <p:nvGrpSpPr>
+        <p:cNvPr id="1" name=""/>
+        <p:cNvGrpSpPr/>
+        <p:nvPr/>
+      </p:nvGrpSpPr>
+      <p:grpSpPr>
+        <a:xfrm>
+          <a:off x="0" y="0"/>
+          <a:ext cx="0" cy="0"/>
+          <a:chOff x="0" y="0"/>
+          <a:chExt cx="0" cy="0"/>
+        </a:xfrm>
+      </p:grpSpPr>
+      <p:sp>
+        <p:nvSpPr>
+          <p:cNvPr id="2" name="Title 1"/>
+          <p:cNvSpPr>
+            <a:spLocks noGrp="1"/>
+          </p:cNvSpPr>
+          <p:nvPr>
+            <p:ph type="title"/>
+          </p:nvPr>
+        </p:nvSpPr>
+        <p:spPr/>
+        <p:txBody>
+          <a:bodyPr/>
+          <a:lstStyle/>
+          <a:p>
+            <a:r>
+              <a:rPr lang="en-US" dirty="0" smtClean="0"/>
+              <a:t>1. Project location</a:t>
+            </a:r>
+            <a:endParaRPr lang="en-US" dirty="0"/>
+          </a:p>
+        </p:txBody>
+      </p:sp>
+      <p:sp>
+        <p:nvSpPr>
+          <p:cNvPr id="9" name="Rounded Rectangular Callout 8"/>
+          <p:cNvSpPr/>
+          <p:nvPr/>
+        </p:nvSpPr>
+        <p:spPr>
+          <a:xfrm>
+            <a:off x="4955178" y="1548538"/>
+            <a:ext cx="1541417" cy="557349"/>
+          </a:xfrm>
+          <a:prstGeom prst="wedgeRoundRectCallout">
+            <a:avLst>
+              <a:gd name="adj1" fmla="val -84675"/>
+              <a:gd name="adj2" fmla="val -4687"/>
+              <a:gd name="adj3" fmla="val 16667"/>
+            </a:avLst>
+          </a:prstGeom>
+          <a:noFill/>
+        </p:spPr>
+        <p:style>
+          <a:lnRef idx="2">
+            <a:schemeClr val="accent1">
+              <a:shade val="50000"/>
+            </a:schemeClr>
+          </a:lnRef>
+          <a:fillRef idx="1">
+            <a:schemeClr val="accent1"/>
+          </a:fillRef>
+          <a:effectRef idx="0">
+            <a:schemeClr val="accent1"/>
+          </a:effectRef>
+          <a:fontRef idx="minor">
+            <a:schemeClr val="lt1"/>
+          </a:fontRef>
+        </p:style>
+        <p:txBody>
+          <a:bodyPr rtlCol="0" anchor="ctr"/>
+          <a:lstStyle/>
+          <a:p>
+            <a:pPr algn="ctr"/>
+            <a:r>
+              <a:rPr lang="en-US" sz="1600" dirty="0" smtClean="0">
+                <a:solidFill>
+                  <a:schemeClr val="tx1"/>
+                </a:solidFill>
+              </a:rPr>
+              <a:t>Main project</a:t>
+            </a:r>
+            <a:endParaRPr lang="en-US" sz="1600" dirty="0">
+              <a:solidFill>
+                <a:schemeClr val="tx1"/>
+              </a:solidFill>
+            </a:endParaRPr>
+          </a:p>
+        </p:txBody>
+      </p:sp>
+      <p:sp>
+        <p:nvSpPr>
+          <p:cNvPr id="10" name="Rounded Rectangular Callout 9"/>
+          <p:cNvSpPr/>
+          <p:nvPr/>
+        </p:nvSpPr>
+        <p:spPr>
+          <a:xfrm>
+            <a:off x="5394960" y="2522312"/>
+            <a:ext cx="1541417" cy="557349"/>
+          </a:xfrm>
+          <a:prstGeom prst="wedgeRoundRectCallout">
+            <a:avLst>
+              <a:gd name="adj1" fmla="val -84675"/>
+              <a:gd name="adj2" fmla="val -4687"/>
+              <a:gd name="adj3" fmla="val 16667"/>
+            </a:avLst>
+          </a:prstGeom>
+          <a:noFill/>
+        </p:spPr>
+        <p:style>
+          <a:lnRef idx="2">
+            <a:schemeClr val="accent1">
+              <a:shade val="50000"/>
+            </a:schemeClr>
+          </a:lnRef>
+          <a:fillRef idx="1">
+            <a:schemeClr val="accent1"/>
+          </a:fillRef>
+          <a:effectRef idx="0">
+            <a:schemeClr val="accent1"/>
+          </a:effectRef>
+          <a:fontRef idx="minor">
+            <a:schemeClr val="lt1"/>
+          </a:fontRef>
+        </p:style>
+        <p:txBody>
+          <a:bodyPr rtlCol="0" anchor="ctr"/>
+          <a:lstStyle/>
+          <a:p>
+            <a:pPr algn="ctr"/>
+            <a:r>
+              <a:rPr lang="en-US" sz="1600" dirty="0" smtClean="0">
+                <a:solidFill>
+                  <a:schemeClr val="tx1"/>
+                </a:solidFill>
+              </a:rPr>
+              <a:t>Sub modules</a:t>
+            </a:r>
+            <a:endParaRPr lang="en-US" sz="1600" dirty="0">
+              <a:solidFill>
+                <a:schemeClr val="tx1"/>
+              </a:solidFill>
+            </a:endParaRPr>
+          </a:p>
+        </p:txBody>
+      </p:sp>
+      <p:sp>
+        <p:nvSpPr>
+          <p:cNvPr id="11" name="Rounded Rectangular Callout 10"/>
+          <p:cNvSpPr/>
+          <p:nvPr/>
+        </p:nvSpPr>
+        <p:spPr>
+          <a:xfrm>
+            <a:off x="4972592" y="3791690"/>
+            <a:ext cx="3927570" cy="421347"/>
+          </a:xfrm>
+          <a:prstGeom prst="wedgeRoundRectCallout">
+            <a:avLst>
+              <a:gd name="adj1" fmla="val -58289"/>
+              <a:gd name="adj2" fmla="val -10937"/>
+              <a:gd name="adj3" fmla="val 16667"/>
+            </a:avLst>
+          </a:prstGeom>
+          <a:noFill/>
+        </p:spPr>
+        <p:style>
+          <a:lnRef idx="2">
+            <a:schemeClr val="accent1">
+              <a:shade val="50000"/>
+            </a:schemeClr>
+          </a:lnRef>
+          <a:fillRef idx="1">
+            <a:schemeClr val="accent1"/>
+          </a:fillRef>
+          <a:effectRef idx="0">
+            <a:schemeClr val="accent1"/>
+          </a:effectRef>
+          <a:fontRef idx="minor">
+            <a:schemeClr val="lt1"/>
+          </a:fontRef>
+        </p:style>
+        <p:txBody>
+          <a:bodyPr rtlCol="0" anchor="ctr"/>
+          <a:lstStyle/>
+          <a:p>
+            <a:pPr algn="ctr"/>
+            <a:r>
+              <a:rPr lang="en-US" sz="1600" dirty="0" err="1" smtClean="0">
+                <a:solidFill>
+                  <a:schemeClr val="tx1"/>
+                </a:solidFill>
+              </a:rPr>
+              <a:t>Config</a:t>
+            </a:r>
+            <a:r>
+              <a:rPr lang="en-US" sz="1600" dirty="0" smtClean="0">
+                <a:solidFill>
+                  <a:schemeClr val="tx1"/>
+                </a:solidFill>
+              </a:rPr>
+              <a:t> files for multi war file generations</a:t>
+            </a:r>
+            <a:endParaRPr lang="en-US" sz="1600" dirty="0">
+              <a:solidFill>
+                <a:schemeClr val="tx1"/>
+              </a:solidFill>
+            </a:endParaRPr>
+          </a:p>
+        </p:txBody>
+      </p:sp>
+      <p:sp>
+        <p:nvSpPr>
+          <p:cNvPr id="12" name="Rounded Rectangular Callout 11"/>
+          <p:cNvSpPr/>
+          <p:nvPr/>
+        </p:nvSpPr>
+        <p:spPr>
+          <a:xfrm>
+            <a:off x="4942109" y="4464432"/>
+            <a:ext cx="3927570" cy="421347"/>
+          </a:xfrm>
+          <a:prstGeom prst="wedgeRoundRectCallout">
+            <a:avLst>
+              <a:gd name="adj1" fmla="val -57624"/>
+              <a:gd name="adj2" fmla="val -54341"/>
+              <a:gd name="adj3" fmla="val 16667"/>
+            </a:avLst>
+          </a:prstGeom>
+          <a:noFill/>
+        </p:spPr>
+        <p:style>
+          <a:lnRef idx="2">
+            <a:schemeClr val="accent1">
+              <a:shade val="50000"/>
+            </a:schemeClr>
+          </a:lnRef>
+          <a:fillRef idx="1">
+            <a:schemeClr val="accent1"/>
+          </a:fillRef>
+          <a:effectRef idx="0">
+            <a:schemeClr val="accent1"/>
+          </a:effectRef>
+          <a:fontRef idx="minor">
+            <a:schemeClr val="lt1"/>
+          </a:fontRef>
+        </p:style>
+        <p:txBody>
+          <a:bodyPr rtlCol="0" anchor="ctr"/>
+          <a:lstStyle/>
+          <a:p>
+            <a:pPr algn="ctr"/>
+            <a:r>
+              <a:rPr lang="en-US" sz="1600" dirty="0" smtClean="0">
+                <a:solidFill>
+                  <a:schemeClr val="tx1"/>
+                </a:solidFill>
+              </a:rPr>
+              <a:t>Main project source directory</a:t>
+            </a:r>
+            <a:endParaRPr lang="en-US" sz="1600" dirty="0">
+              <a:solidFill>
+                <a:schemeClr val="tx1"/>
+              </a:solidFill>
+            </a:endParaRPr>
+          </a:p>
+        </p:txBody>
+      </p:sp>
+      <p:pic>
+        <p:nvPicPr>
+          <p:cNvPr id="13" name="Picture 12"/>
+          <p:cNvPicPr>
+            <a:picLocks noChangeAspect="1"/>
+          </p:cNvPicPr>
+          <p:nvPr/>
+        </p:nvPicPr>
+        <p:blipFill>
+          <a:blip r:embed="rId2"/>
+          <a:stretch>
+            <a:fillRect/>
+          </a:stretch>
+        </p:blipFill>
+        <p:spPr>
+          <a:xfrm>
+            <a:off x="444137" y="1630340"/>
+            <a:ext cx="2667000" cy="3905250"/>
           </a:xfrm>
           <a:prstGeom prst="rect">
             <a:avLst/>
@@ -3179,8 +3915,8 @@
         </p:nvSpPr>
         <p:spPr>
           <a:xfrm>
-            <a:off x="838200" y="2521087"/>
-            <a:ext cx="3971109" cy="857839"/>
+            <a:off x="444138" y="2441449"/>
+            <a:ext cx="4365172" cy="1335250"/>
           </a:xfrm>
           <a:prstGeom prst="rect">
             <a:avLst/>
@@ -3219,13 +3955,59 @@
       </p:sp>
       <p:sp>
         <p:nvSpPr>
+          <p:cNvPr id="8" name="Rectangle 7"/>
+          <p:cNvSpPr/>
+          <p:nvPr/>
+        </p:nvSpPr>
+        <p:spPr>
+          <a:xfrm>
+            <a:off x="657497" y="4263448"/>
+            <a:ext cx="3971109" cy="246721"/>
+          </a:xfrm>
+          <a:prstGeom prst="rect">
+            <a:avLst/>
+          </a:prstGeom>
+          <a:noFill/>
+          <a:ln>
+            <a:solidFill>
+              <a:srgbClr val="FF0000"/>
+            </a:solidFill>
+          </a:ln>
+        </p:spPr>
+        <p:style>
+          <a:lnRef idx="2">
+            <a:schemeClr val="accent1">
+              <a:shade val="50000"/>
+            </a:schemeClr>
+          </a:lnRef>
+          <a:fillRef idx="1">
+            <a:schemeClr val="accent1"/>
+          </a:fillRef>
+          <a:effectRef idx="0">
+            <a:schemeClr val="accent1"/>
+          </a:effectRef>
+          <a:fontRef idx="minor">
+            <a:schemeClr val="lt1"/>
+          </a:fontRef>
+        </p:style>
+        <p:txBody>
+          <a:bodyPr rtlCol="0" anchor="ctr"/>
+          <a:lstStyle/>
+          <a:p>
+            <a:pPr algn="ctr"/>
+            <a:endParaRPr lang="en-US"/>
+          </a:p>
+        </p:txBody>
+      </p:sp>
+      <p:sp>
+        <p:nvSpPr>
           <p:cNvPr id="7" name="Rectangle 6"/>
           <p:cNvSpPr/>
           <p:nvPr/>
         </p:nvSpPr>
         <p:spPr>
           <a:xfrm>
-            <a:off x="657497" y="3614058"/>
+            <a:off x="657497" y="3833514"/>
             <a:ext cx="3971109" cy="309110"/>
           </a:xfrm>
           <a:prstGeom prst="rect">
@@ -3260,288 +4042,6 @@
           <a:p>
             <a:pPr algn="ctr"/>
             <a:endParaRPr lang="en-US"/>
-          </a:p>
-        </p:txBody>
-      </p:sp>
-      <p:sp>
-        <p:nvSpPr>
-          <p:cNvPr id="8" name="Rectangle 7"/>
-          <p:cNvSpPr/>
-          <p:nvPr/>
-        </p:nvSpPr>
-        <p:spPr>
-          <a:xfrm>
-            <a:off x="657497" y="4098856"/>
-            <a:ext cx="3971109" cy="246721"/>
-          </a:xfrm>
-          <a:prstGeom prst="rect">
-            <a:avLst/>
-          </a:prstGeom>
-          <a:noFill/>
-          <a:ln>
-            <a:solidFill>
-              <a:srgbClr val="FF0000"/>
-            </a:solidFill>
-          </a:ln>
-        </p:spPr>
-        <p:style>
-          <a:lnRef idx="2">
-            <a:schemeClr val="accent1">
-              <a:shade val="50000"/>
-            </a:schemeClr>
-          </a:lnRef>
-          <a:fillRef idx="1">
-            <a:schemeClr val="accent1"/>
-          </a:fillRef>
-          <a:effectRef idx="0">
-            <a:schemeClr val="accent1"/>
-          </a:effectRef>
-          <a:fontRef idx="minor">
-            <a:schemeClr val="lt1"/>
-          </a:fontRef>
-        </p:style>
-        <p:txBody>
-          <a:bodyPr rtlCol="0" anchor="ctr"/>
-          <a:lstStyle/>
-          <a:p>
-            <a:pPr algn="ctr"/>
-            <a:endParaRPr lang="en-US"/>
-          </a:p>
-        </p:txBody>
-      </p:sp>
-      <p:sp>
-        <p:nvSpPr>
-          <p:cNvPr id="9" name="Rounded Rectangular Callout 8"/>
-          <p:cNvSpPr/>
-          <p:nvPr/>
-        </p:nvSpPr>
-        <p:spPr>
-          <a:xfrm>
-            <a:off x="4955178" y="1548538"/>
-            <a:ext cx="1541417" cy="557349"/>
-          </a:xfrm>
-          <a:prstGeom prst="wedgeRoundRectCallout">
-            <a:avLst>
-              <a:gd name="adj1" fmla="val -84675"/>
-              <a:gd name="adj2" fmla="val -4687"/>
-              <a:gd name="adj3" fmla="val 16667"/>
-            </a:avLst>
-          </a:prstGeom>
-          <a:noFill/>
-        </p:spPr>
-        <p:style>
-          <a:lnRef idx="2">
-            <a:schemeClr val="accent1">
-              <a:shade val="50000"/>
-            </a:schemeClr>
-          </a:lnRef>
-          <a:fillRef idx="1">
-            <a:schemeClr val="accent1"/>
-          </a:fillRef>
-          <a:effectRef idx="0">
-            <a:schemeClr val="accent1"/>
-          </a:effectRef>
-          <a:fontRef idx="minor">
-            <a:schemeClr val="lt1"/>
-          </a:fontRef>
-        </p:style>
-        <p:txBody>
-          <a:bodyPr rtlCol="0" anchor="ctr"/>
-          <a:lstStyle/>
-          <a:p>
-            <a:pPr algn="ctr"/>
-            <a:r>
-              <a:rPr lang="en-US" sz="1600" dirty="0" smtClean="0">
-                <a:solidFill>
-                  <a:schemeClr val="tx1"/>
-                </a:solidFill>
-              </a:rPr>
-              <a:t>Main project</a:t>
-            </a:r>
-            <a:endParaRPr lang="en-US" sz="1600" dirty="0">
-              <a:solidFill>
-                <a:schemeClr val="tx1"/>
-              </a:solidFill>
-            </a:endParaRPr>
-          </a:p>
-        </p:txBody>
-      </p:sp>
-      <p:sp>
-        <p:nvSpPr>
-          <p:cNvPr id="10" name="Rounded Rectangular Callout 9"/>
-          <p:cNvSpPr/>
-          <p:nvPr/>
-        </p:nvSpPr>
-        <p:spPr>
-          <a:xfrm>
-            <a:off x="5394960" y="2522312"/>
-            <a:ext cx="1541417" cy="557349"/>
-          </a:xfrm>
-          <a:prstGeom prst="wedgeRoundRectCallout">
-            <a:avLst>
-              <a:gd name="adj1" fmla="val -84675"/>
-              <a:gd name="adj2" fmla="val -4687"/>
-              <a:gd name="adj3" fmla="val 16667"/>
-            </a:avLst>
-          </a:prstGeom>
-          <a:noFill/>
-        </p:spPr>
-        <p:style>
-          <a:lnRef idx="2">
-            <a:schemeClr val="accent1">
-              <a:shade val="50000"/>
-            </a:schemeClr>
-          </a:lnRef>
-          <a:fillRef idx="1">
-            <a:schemeClr val="accent1"/>
-          </a:fillRef>
-          <a:effectRef idx="0">
-            <a:schemeClr val="accent1"/>
-          </a:effectRef>
-          <a:fontRef idx="minor">
-            <a:schemeClr val="lt1"/>
-          </a:fontRef>
-        </p:style>
-        <p:txBody>
-          <a:bodyPr rtlCol="0" anchor="ctr"/>
-          <a:lstStyle/>
-          <a:p>
-            <a:pPr algn="ctr"/>
-            <a:r>
-              <a:rPr lang="en-US" sz="1600" dirty="0" smtClean="0">
-                <a:solidFill>
-                  <a:schemeClr val="tx1"/>
-                </a:solidFill>
-              </a:rPr>
-              <a:t>Sub modules</a:t>
-            </a:r>
-            <a:endParaRPr lang="en-US" sz="1600" dirty="0">
-              <a:solidFill>
-                <a:schemeClr val="tx1"/>
-              </a:solidFill>
-            </a:endParaRPr>
-          </a:p>
-        </p:txBody>
-      </p:sp>
-      <p:sp>
-        <p:nvSpPr>
-          <p:cNvPr id="11" name="Rounded Rectangular Callout 10"/>
-          <p:cNvSpPr/>
-          <p:nvPr/>
-        </p:nvSpPr>
-        <p:spPr>
-          <a:xfrm>
-            <a:off x="4972592" y="3489938"/>
-            <a:ext cx="3927570" cy="421347"/>
-          </a:xfrm>
-          <a:prstGeom prst="wedgeRoundRectCallout">
-            <a:avLst>
-              <a:gd name="adj1" fmla="val -58289"/>
-              <a:gd name="adj2" fmla="val -10937"/>
-              <a:gd name="adj3" fmla="val 16667"/>
-            </a:avLst>
-          </a:prstGeom>
-          <a:noFill/>
-        </p:spPr>
-        <p:style>
-          <a:lnRef idx="2">
-            <a:schemeClr val="accent1">
-              <a:shade val="50000"/>
-            </a:schemeClr>
-          </a:lnRef>
-          <a:fillRef idx="1">
-            <a:schemeClr val="accent1"/>
-          </a:fillRef>
-          <a:effectRef idx="0">
-            <a:schemeClr val="accent1"/>
-          </a:effectRef>
-          <a:fontRef idx="minor">
-            <a:schemeClr val="lt1"/>
-          </a:fontRef>
-        </p:style>
-        <p:txBody>
-          <a:bodyPr rtlCol="0" anchor="ctr"/>
-          <a:lstStyle/>
-          <a:p>
-            <a:pPr algn="ctr"/>
-            <a:r>
-              <a:rPr lang="en-US" sz="1600" dirty="0" err="1" smtClean="0">
-                <a:solidFill>
-                  <a:schemeClr val="tx1"/>
-                </a:solidFill>
-              </a:rPr>
-              <a:t>Config</a:t>
-            </a:r>
-            <a:r>
-              <a:rPr lang="en-US" sz="1600" dirty="0" smtClean="0">
-                <a:solidFill>
-                  <a:schemeClr val="tx1"/>
-                </a:solidFill>
-              </a:rPr>
-              <a:t> files for multi war file generations</a:t>
-            </a:r>
-            <a:endParaRPr lang="en-US" sz="1600" dirty="0">
-              <a:solidFill>
-                <a:schemeClr val="tx1"/>
-              </a:solidFill>
-            </a:endParaRPr>
-          </a:p>
-        </p:txBody>
-      </p:sp>
-      <p:sp>
-        <p:nvSpPr>
-          <p:cNvPr id="12" name="Rounded Rectangular Callout 11"/>
-          <p:cNvSpPr/>
-          <p:nvPr/>
-        </p:nvSpPr>
-        <p:spPr>
-          <a:xfrm>
-            <a:off x="4942109" y="4208400"/>
-            <a:ext cx="3927570" cy="421347"/>
-          </a:xfrm>
-          <a:prstGeom prst="wedgeRoundRectCallout">
-            <a:avLst>
-              <a:gd name="adj1" fmla="val -57624"/>
-              <a:gd name="adj2" fmla="val -54341"/>
-              <a:gd name="adj3" fmla="val 16667"/>
-            </a:avLst>
-          </a:prstGeom>
-          <a:noFill/>
-        </p:spPr>
-        <p:style>
-          <a:lnRef idx="2">
-            <a:schemeClr val="accent1">
-              <a:shade val="50000"/>
-            </a:schemeClr>
-          </a:lnRef>
-          <a:fillRef idx="1">
-            <a:schemeClr val="accent1"/>
-          </a:fillRef>
-          <a:effectRef idx="0">
-            <a:schemeClr val="accent1"/>
-          </a:effectRef>
-          <a:fontRef idx="minor">
-            <a:schemeClr val="lt1"/>
-          </a:fontRef>
-        </p:style>
-        <p:txBody>
-          <a:bodyPr rtlCol="0" anchor="ctr"/>
-          <a:lstStyle/>
-          <a:p>
-            <a:pPr algn="ctr"/>
-            <a:r>
-              <a:rPr lang="en-US" sz="1600" dirty="0" smtClean="0">
-                <a:solidFill>
-                  <a:schemeClr val="tx1"/>
-                </a:solidFill>
-              </a:rPr>
-              <a:t>Main project source directory</a:t>
-            </a:r>
-            <a:endParaRPr lang="en-US" sz="1600" dirty="0">
-              <a:solidFill>
-                <a:schemeClr val="tx1"/>
-              </a:solidFill>
-            </a:endParaRPr>
           </a:p>
         </p:txBody>
       </p:sp>
@@ -5827,11 +6327,6 @@
               </a:rPr>
               <a:t> </a:t>
             </a:r>
-            <a:endParaRPr lang="en-US" dirty="0" smtClean="0">
-              <a:solidFill>
-                <a:schemeClr val="tx1"/>
-              </a:solidFill>
-            </a:endParaRPr>
           </a:p>
         </p:txBody>
       </p:sp>
@@ -5928,7 +6423,725 @@
           <a:p>
             <a:r>
               <a:rPr lang="en-US" dirty="0" smtClean="0"/>
-              <a:t>5. </a:t>
+              <a:t>5</a:t>
+            </a:r>
+            <a:r>
+              <a:rPr lang="en-US" dirty="0" smtClean="0"/>
+              <a:t>. Bettle-Repo </a:t>
+            </a:r>
+            <a:r>
+              <a:rPr lang="en-US" dirty="0" smtClean="0"/>
+              <a:t>modules files</a:t>
+            </a:r>
+            <a:endParaRPr lang="en-US" dirty="0"/>
+          </a:p>
+        </p:txBody>
+      </p:sp>
+      <p:sp>
+        <p:nvSpPr>
+          <p:cNvPr id="5" name="Rectangle 4"/>
+          <p:cNvSpPr/>
+          <p:nvPr/>
+        </p:nvSpPr>
+        <p:spPr>
+          <a:xfrm>
+            <a:off x="4371703" y="1690689"/>
+            <a:ext cx="6226628" cy="3238362"/>
+          </a:xfrm>
+          <a:prstGeom prst="rect">
+            <a:avLst/>
+          </a:prstGeom>
+          <a:noFill/>
+        </p:spPr>
+        <p:style>
+          <a:lnRef idx="2">
+            <a:schemeClr val="accent1">
+              <a:shade val="50000"/>
+            </a:schemeClr>
+          </a:lnRef>
+          <a:fillRef idx="1">
+            <a:schemeClr val="accent1"/>
+          </a:fillRef>
+          <a:effectRef idx="0">
+            <a:schemeClr val="accent1"/>
+          </a:effectRef>
+          <a:fontRef idx="minor">
+            <a:schemeClr val="lt1"/>
+          </a:fontRef>
+        </p:style>
+        <p:txBody>
+          <a:bodyPr rtlCol="0" anchor="ctr"/>
+          <a:lstStyle/>
+          <a:p>
+            <a:r>
+              <a:rPr lang="en-US" dirty="0" smtClean="0">
+                <a:solidFill>
+                  <a:schemeClr val="tx1"/>
+                </a:solidFill>
+              </a:rPr>
+              <a:t>-</a:t>
+            </a:r>
+            <a:r>
+              <a:rPr lang="en-US" dirty="0" err="1" smtClean="0">
+                <a:solidFill>
+                  <a:schemeClr val="tx1"/>
+                </a:solidFill>
+              </a:rPr>
+              <a:t>src</a:t>
+            </a:r>
+            <a:r>
+              <a:rPr lang="en-US" dirty="0" smtClean="0">
+                <a:solidFill>
+                  <a:schemeClr val="tx1"/>
+                </a:solidFill>
+              </a:rPr>
+              <a:t> </a:t>
+            </a:r>
+          </a:p>
+          <a:p>
+            <a:r>
+              <a:rPr lang="en-US" dirty="0">
+                <a:solidFill>
+                  <a:schemeClr val="tx1"/>
+                </a:solidFill>
+              </a:rPr>
+              <a:t> </a:t>
+            </a:r>
+            <a:r>
+              <a:rPr lang="en-US" dirty="0" smtClean="0">
+                <a:solidFill>
+                  <a:schemeClr val="tx1"/>
+                </a:solidFill>
+              </a:rPr>
+              <a:t> -main</a:t>
+            </a:r>
+          </a:p>
+          <a:p>
+            <a:r>
+              <a:rPr lang="en-US" dirty="0">
+                <a:solidFill>
+                  <a:schemeClr val="tx1"/>
+                </a:solidFill>
+              </a:rPr>
+              <a:t> </a:t>
+            </a:r>
+            <a:r>
+              <a:rPr lang="en-US" dirty="0" smtClean="0">
+                <a:solidFill>
+                  <a:schemeClr val="tx1"/>
+                </a:solidFill>
+              </a:rPr>
+              <a:t>   -java</a:t>
+            </a:r>
+          </a:p>
+          <a:p>
+            <a:r>
+              <a:rPr lang="en-US" dirty="0">
+                <a:solidFill>
+                  <a:schemeClr val="tx1"/>
+                </a:solidFill>
+              </a:rPr>
+              <a:t> </a:t>
+            </a:r>
+            <a:r>
+              <a:rPr lang="en-US" dirty="0" smtClean="0">
+                <a:solidFill>
+                  <a:schemeClr val="tx1"/>
+                </a:solidFill>
+              </a:rPr>
+              <a:t>     -</a:t>
+            </a:r>
+            <a:r>
+              <a:rPr lang="en-US" dirty="0" err="1" smtClean="0">
+                <a:solidFill>
+                  <a:schemeClr val="tx1"/>
+                </a:solidFill>
+              </a:rPr>
+              <a:t>com.bettle.track.repos</a:t>
+            </a:r>
+            <a:r>
+              <a:rPr lang="en-US" sz="1400" dirty="0" smtClean="0">
+                <a:solidFill>
+                  <a:srgbClr val="FF0000"/>
+                </a:solidFill>
+              </a:rPr>
+              <a:t>  </a:t>
+            </a:r>
+            <a:r>
+              <a:rPr lang="en-US" sz="1400" dirty="0" smtClean="0">
+                <a:solidFill>
+                  <a:srgbClr val="FF0000"/>
+                </a:solidFill>
+              </a:rPr>
+              <a:t>=&gt; Root package for </a:t>
+            </a:r>
+            <a:r>
+              <a:rPr lang="en-US" sz="1400" dirty="0" smtClean="0">
+                <a:solidFill>
+                  <a:srgbClr val="FF0000"/>
+                </a:solidFill>
+              </a:rPr>
+              <a:t>repository interfaces</a:t>
+            </a:r>
+            <a:endParaRPr lang="en-US" dirty="0" smtClean="0">
+              <a:solidFill>
+                <a:schemeClr val="tx1"/>
+              </a:solidFill>
+            </a:endParaRPr>
+          </a:p>
+          <a:p>
+            <a:r>
+              <a:rPr lang="en-US" dirty="0">
+                <a:solidFill>
+                  <a:schemeClr val="tx1"/>
+                </a:solidFill>
+              </a:rPr>
+              <a:t> </a:t>
+            </a:r>
+            <a:r>
+              <a:rPr lang="en-US" dirty="0" smtClean="0">
+                <a:solidFill>
+                  <a:schemeClr val="tx1"/>
+                </a:solidFill>
+              </a:rPr>
+              <a:t>       -common </a:t>
+            </a:r>
+            <a:r>
+              <a:rPr lang="en-US" sz="1400" dirty="0" smtClean="0">
+                <a:solidFill>
+                  <a:srgbClr val="FF0000"/>
+                </a:solidFill>
+              </a:rPr>
+              <a:t>=&gt; Common </a:t>
+            </a:r>
+            <a:r>
+              <a:rPr lang="en-US" sz="1400" dirty="0" smtClean="0">
+                <a:solidFill>
+                  <a:srgbClr val="FF0000"/>
+                </a:solidFill>
+              </a:rPr>
+              <a:t>repos</a:t>
+            </a:r>
+            <a:endParaRPr lang="en-US" sz="1400" dirty="0" smtClean="0">
+              <a:solidFill>
+                <a:srgbClr val="FF0000"/>
+              </a:solidFill>
+            </a:endParaRPr>
+          </a:p>
+          <a:p>
+            <a:r>
+              <a:rPr lang="en-US" dirty="0" smtClean="0">
+                <a:solidFill>
+                  <a:schemeClr val="tx1"/>
+                </a:solidFill>
+              </a:rPr>
+              <a:t>        -dashboard </a:t>
+            </a:r>
+            <a:r>
+              <a:rPr lang="en-US" sz="1400" dirty="0" smtClean="0">
+                <a:solidFill>
+                  <a:srgbClr val="FF0000"/>
+                </a:solidFill>
+              </a:rPr>
+              <a:t>=&gt; Dashboard module </a:t>
+            </a:r>
+            <a:r>
+              <a:rPr lang="en-US" sz="1400" dirty="0" smtClean="0">
+                <a:solidFill>
+                  <a:srgbClr val="FF0000"/>
+                </a:solidFill>
+              </a:rPr>
+              <a:t>repos</a:t>
+            </a:r>
+            <a:endParaRPr lang="en-US" dirty="0" smtClean="0">
+              <a:solidFill>
+                <a:schemeClr val="tx1"/>
+              </a:solidFill>
+            </a:endParaRPr>
+          </a:p>
+          <a:p>
+            <a:r>
+              <a:rPr lang="en-US" dirty="0">
+                <a:solidFill>
+                  <a:schemeClr val="tx1"/>
+                </a:solidFill>
+              </a:rPr>
+              <a:t> </a:t>
+            </a:r>
+            <a:r>
+              <a:rPr lang="en-US" dirty="0" smtClean="0">
+                <a:solidFill>
+                  <a:schemeClr val="tx1"/>
+                </a:solidFill>
+              </a:rPr>
+              <a:t>       -issue </a:t>
+            </a:r>
+            <a:r>
+              <a:rPr lang="en-US" sz="1400" dirty="0" smtClean="0">
+                <a:solidFill>
+                  <a:srgbClr val="FF0000"/>
+                </a:solidFill>
+              </a:rPr>
+              <a:t>=&gt; Issues module </a:t>
+            </a:r>
+            <a:r>
+              <a:rPr lang="en-US" sz="1400" dirty="0" smtClean="0">
+                <a:solidFill>
+                  <a:srgbClr val="FF0000"/>
+                </a:solidFill>
+              </a:rPr>
+              <a:t>repos</a:t>
+            </a:r>
+            <a:endParaRPr lang="en-US" dirty="0" smtClean="0">
+              <a:solidFill>
+                <a:schemeClr val="tx1"/>
+              </a:solidFill>
+            </a:endParaRPr>
+          </a:p>
+          <a:p>
+            <a:r>
+              <a:rPr lang="en-US" dirty="0">
+                <a:solidFill>
+                  <a:schemeClr val="tx1"/>
+                </a:solidFill>
+              </a:rPr>
+              <a:t> </a:t>
+            </a:r>
+            <a:r>
+              <a:rPr lang="en-US" dirty="0" smtClean="0">
+                <a:solidFill>
+                  <a:schemeClr val="tx1"/>
+                </a:solidFill>
+              </a:rPr>
+              <a:t>       -project </a:t>
+            </a:r>
+            <a:r>
+              <a:rPr lang="en-US" sz="1400" dirty="0" smtClean="0">
+                <a:solidFill>
+                  <a:srgbClr val="FF0000"/>
+                </a:solidFill>
+              </a:rPr>
+              <a:t>=&gt; Project module </a:t>
+            </a:r>
+            <a:r>
+              <a:rPr lang="en-US" sz="1400" dirty="0" smtClean="0">
+                <a:solidFill>
+                  <a:srgbClr val="FF0000"/>
+                </a:solidFill>
+              </a:rPr>
+              <a:t>repos</a:t>
+            </a:r>
+            <a:endParaRPr lang="en-US" dirty="0" smtClean="0">
+              <a:solidFill>
+                <a:schemeClr val="tx1"/>
+              </a:solidFill>
+            </a:endParaRPr>
+          </a:p>
+          <a:p>
+            <a:r>
+              <a:rPr lang="en-US" dirty="0">
+                <a:solidFill>
+                  <a:schemeClr val="tx1"/>
+                </a:solidFill>
+              </a:rPr>
+              <a:t> </a:t>
+            </a:r>
+            <a:r>
+              <a:rPr lang="en-US" dirty="0" smtClean="0">
+                <a:solidFill>
+                  <a:schemeClr val="tx1"/>
+                </a:solidFill>
+              </a:rPr>
+              <a:t>       -test </a:t>
+            </a:r>
+            <a:r>
+              <a:rPr lang="en-US" sz="1400" dirty="0" smtClean="0">
+                <a:solidFill>
+                  <a:srgbClr val="FF0000"/>
+                </a:solidFill>
+              </a:rPr>
+              <a:t>=&gt; Test module </a:t>
+            </a:r>
+            <a:r>
+              <a:rPr lang="en-US" sz="1400" dirty="0" smtClean="0">
+                <a:solidFill>
+                  <a:srgbClr val="FF0000"/>
+                </a:solidFill>
+              </a:rPr>
+              <a:t>repos</a:t>
+            </a:r>
+            <a:endParaRPr lang="en-US" dirty="0" smtClean="0">
+              <a:solidFill>
+                <a:schemeClr val="tx1"/>
+              </a:solidFill>
+            </a:endParaRPr>
+          </a:p>
+          <a:p>
+            <a:r>
+              <a:rPr lang="en-US" dirty="0">
+                <a:solidFill>
+                  <a:schemeClr val="tx1"/>
+                </a:solidFill>
+              </a:rPr>
+              <a:t> </a:t>
+            </a:r>
+            <a:r>
+              <a:rPr lang="en-US" dirty="0" smtClean="0">
+                <a:solidFill>
+                  <a:schemeClr val="tx1"/>
+                </a:solidFill>
+              </a:rPr>
+              <a:t>       -user </a:t>
+            </a:r>
+            <a:r>
+              <a:rPr lang="en-US" sz="1400" dirty="0" smtClean="0">
+                <a:solidFill>
+                  <a:srgbClr val="FF0000"/>
+                </a:solidFill>
+              </a:rPr>
+              <a:t>=&gt; User module </a:t>
+            </a:r>
+            <a:r>
+              <a:rPr lang="en-US" sz="1400" dirty="0" smtClean="0">
+                <a:solidFill>
+                  <a:srgbClr val="FF0000"/>
+                </a:solidFill>
+              </a:rPr>
+              <a:t>repos</a:t>
+            </a:r>
+            <a:endParaRPr lang="en-US" dirty="0">
+              <a:solidFill>
+                <a:schemeClr val="tx1"/>
+              </a:solidFill>
+            </a:endParaRPr>
+          </a:p>
+          <a:p>
+            <a:r>
+              <a:rPr lang="en-US" dirty="0" smtClean="0">
+                <a:solidFill>
+                  <a:schemeClr val="tx1"/>
+                </a:solidFill>
+              </a:rPr>
+              <a:t>-</a:t>
+            </a:r>
+            <a:r>
+              <a:rPr lang="en-US" dirty="0" err="1" smtClean="0">
+                <a:solidFill>
+                  <a:schemeClr val="tx1"/>
+                </a:solidFill>
+              </a:rPr>
+              <a:t>build.gradle</a:t>
+            </a:r>
+            <a:r>
+              <a:rPr lang="en-US" dirty="0" smtClean="0">
+                <a:solidFill>
+                  <a:schemeClr val="tx1"/>
+                </a:solidFill>
+              </a:rPr>
+              <a:t> </a:t>
+            </a:r>
+            <a:r>
+              <a:rPr lang="en-US" sz="1400" dirty="0" smtClean="0">
+                <a:solidFill>
+                  <a:srgbClr val="FF0000"/>
+                </a:solidFill>
+              </a:rPr>
+              <a:t>=&gt; </a:t>
+            </a:r>
+            <a:r>
+              <a:rPr lang="en-US" sz="1400" dirty="0" smtClean="0">
+                <a:solidFill>
+                  <a:srgbClr val="FF0000"/>
+                </a:solidFill>
+              </a:rPr>
+              <a:t>Bettle-</a:t>
+            </a:r>
+            <a:r>
+              <a:rPr lang="en-US" sz="1400" dirty="0" smtClean="0">
+                <a:solidFill>
+                  <a:srgbClr val="FF0000"/>
+                </a:solidFill>
+              </a:rPr>
+              <a:t>R</a:t>
+            </a:r>
+            <a:r>
+              <a:rPr lang="en-US" sz="1400" dirty="0">
+                <a:solidFill>
+                  <a:srgbClr val="FF0000"/>
+                </a:solidFill>
+              </a:rPr>
+              <a:t>e</a:t>
+            </a:r>
+            <a:r>
+              <a:rPr lang="en-US" sz="1400" dirty="0" smtClean="0">
+                <a:solidFill>
+                  <a:srgbClr val="FF0000"/>
+                </a:solidFill>
+              </a:rPr>
+              <a:t>po </a:t>
+            </a:r>
+            <a:r>
+              <a:rPr lang="en-US" sz="1400" dirty="0" smtClean="0">
+                <a:solidFill>
+                  <a:srgbClr val="FF0000"/>
+                </a:solidFill>
+              </a:rPr>
+              <a:t>sub module </a:t>
+            </a:r>
+            <a:r>
+              <a:rPr lang="en-US" sz="1400" dirty="0" err="1" smtClean="0">
+                <a:solidFill>
+                  <a:srgbClr val="FF0000"/>
+                </a:solidFill>
+              </a:rPr>
+              <a:t>gradle</a:t>
+            </a:r>
+            <a:r>
+              <a:rPr lang="en-US" sz="1400" dirty="0" smtClean="0">
+                <a:solidFill>
+                  <a:srgbClr val="FF0000"/>
+                </a:solidFill>
+              </a:rPr>
+              <a:t> file</a:t>
+            </a:r>
+            <a:r>
+              <a:rPr lang="en-US" dirty="0" smtClean="0">
+                <a:solidFill>
+                  <a:schemeClr val="tx1"/>
+                </a:solidFill>
+              </a:rPr>
+              <a:t> </a:t>
+            </a:r>
+          </a:p>
+        </p:txBody>
+      </p:sp>
+      <p:sp>
+        <p:nvSpPr>
+          <p:cNvPr id="6" name="TextBox 5"/>
+          <p:cNvSpPr txBox="1"/>
+          <p:nvPr/>
+        </p:nvSpPr>
+        <p:spPr>
+          <a:xfrm>
+            <a:off x="838200" y="5160222"/>
+            <a:ext cx="8126624" cy="954107"/>
+          </a:xfrm>
+          <a:prstGeom prst="rect">
+            <a:avLst/>
+          </a:prstGeom>
+          <a:noFill/>
+        </p:spPr>
+        <p:txBody>
+          <a:bodyPr wrap="square" rtlCol="0">
+            <a:spAutoFit/>
+          </a:bodyPr>
+          <a:lstStyle/>
+          <a:p>
+            <a:r>
+              <a:rPr lang="en-US" sz="1400" dirty="0" smtClean="0">
+                <a:solidFill>
+                  <a:schemeClr val="accent1"/>
+                </a:solidFill>
+              </a:rPr>
+              <a:t>Contains:</a:t>
+            </a:r>
+          </a:p>
+          <a:p>
+            <a:pPr marL="342900" indent="-342900">
+              <a:buAutoNum type="arabicPeriod"/>
+            </a:pPr>
+            <a:r>
+              <a:rPr lang="en-US" sz="1400" dirty="0" smtClean="0">
+                <a:solidFill>
+                  <a:schemeClr val="accent1"/>
+                </a:solidFill>
+              </a:rPr>
+              <a:t>Repository interfaces</a:t>
+            </a:r>
+          </a:p>
+          <a:p>
+            <a:r>
+              <a:rPr lang="en-IN" sz="1400" dirty="0">
+                <a:solidFill>
+                  <a:schemeClr val="accent1"/>
+                </a:solidFill>
+              </a:rPr>
+              <a:t> </a:t>
+            </a:r>
+            <a:r>
+              <a:rPr lang="en-IN" sz="1400" dirty="0" smtClean="0">
+                <a:solidFill>
+                  <a:schemeClr val="accent1"/>
+                </a:solidFill>
+              </a:rPr>
+              <a:t>        - Will be implemented by </a:t>
+            </a:r>
+            <a:r>
+              <a:rPr lang="en-IN" sz="1400" dirty="0" err="1" smtClean="0">
+                <a:solidFill>
+                  <a:schemeClr val="accent1"/>
+                </a:solidFill>
+              </a:rPr>
+              <a:t>bettle-jpa</a:t>
+            </a:r>
+            <a:r>
+              <a:rPr lang="en-IN" sz="1400" dirty="0" smtClean="0">
+                <a:solidFill>
+                  <a:schemeClr val="accent1"/>
+                </a:solidFill>
+              </a:rPr>
+              <a:t> and </a:t>
+            </a:r>
+            <a:r>
+              <a:rPr lang="en-IN" sz="1400" dirty="0" err="1" smtClean="0">
+                <a:solidFill>
+                  <a:schemeClr val="accent1"/>
+                </a:solidFill>
+              </a:rPr>
+              <a:t>bettle-mongodb</a:t>
+            </a:r>
+            <a:r>
+              <a:rPr lang="en-IN" sz="1400" dirty="0" smtClean="0">
+                <a:solidFill>
+                  <a:schemeClr val="accent1"/>
+                </a:solidFill>
+              </a:rPr>
+              <a:t> modules</a:t>
+            </a:r>
+          </a:p>
+          <a:p>
+            <a:r>
+              <a:rPr lang="en-IN" sz="1400" dirty="0">
+                <a:solidFill>
+                  <a:schemeClr val="accent1"/>
+                </a:solidFill>
+              </a:rPr>
+              <a:t> </a:t>
+            </a:r>
+            <a:r>
+              <a:rPr lang="en-IN" sz="1400" dirty="0" smtClean="0">
+                <a:solidFill>
+                  <a:schemeClr val="accent1"/>
+                </a:solidFill>
+              </a:rPr>
+              <a:t>        - Will be used in </a:t>
+            </a:r>
+            <a:r>
+              <a:rPr lang="en-IN" sz="1400" dirty="0" err="1" smtClean="0">
+                <a:solidFill>
+                  <a:schemeClr val="accent1"/>
+                </a:solidFill>
+              </a:rPr>
+              <a:t>bettle</a:t>
+            </a:r>
+            <a:r>
+              <a:rPr lang="en-IN" sz="1400" dirty="0" smtClean="0">
+                <a:solidFill>
+                  <a:schemeClr val="accent1"/>
+                </a:solidFill>
+              </a:rPr>
+              <a:t>-service module as </a:t>
+            </a:r>
+            <a:r>
+              <a:rPr lang="en-IN" sz="1400" dirty="0" err="1" smtClean="0">
+                <a:solidFill>
+                  <a:schemeClr val="accent1"/>
+                </a:solidFill>
+              </a:rPr>
+              <a:t>AutoWired</a:t>
+            </a:r>
+            <a:r>
+              <a:rPr lang="en-IN" sz="1400" dirty="0" smtClean="0">
+                <a:solidFill>
+                  <a:schemeClr val="accent1"/>
+                </a:solidFill>
+              </a:rPr>
+              <a:t> objects</a:t>
+            </a:r>
+            <a:endParaRPr lang="en-US" sz="1400" dirty="0" smtClean="0">
+              <a:solidFill>
+                <a:schemeClr val="accent1"/>
+              </a:solidFill>
+            </a:endParaRPr>
+          </a:p>
+        </p:txBody>
+      </p:sp>
+      <p:pic>
+        <p:nvPicPr>
+          <p:cNvPr id="7" name="Picture 6"/>
+          <p:cNvPicPr>
+            <a:picLocks noChangeAspect="1"/>
+          </p:cNvPicPr>
+          <p:nvPr/>
+        </p:nvPicPr>
+        <p:blipFill>
+          <a:blip r:embed="rId2"/>
+          <a:stretch>
+            <a:fillRect/>
+          </a:stretch>
+        </p:blipFill>
+        <p:spPr>
+          <a:xfrm>
+            <a:off x="240983" y="1746579"/>
+            <a:ext cx="3709226" cy="2971800"/>
+          </a:xfrm>
+          <a:prstGeom prst="rect">
+            <a:avLst/>
+          </a:prstGeom>
+        </p:spPr>
+      </p:pic>
+    </p:spTree>
+    <p:extLst>
+      <p:ext uri="{BB962C8B-B14F-4D97-AF65-F5344CB8AC3E}">
+        <p14:creationId xmlns:p14="http://schemas.microsoft.com/office/powerpoint/2010/main" val="3894154355"/>
+      </p:ext>
+    </p:extLst>
+  </p:cSld>
+  <p:clrMapOvr>
+    <a:masterClrMapping/>
+  </p:clrMapOvr>
+</p:sld>
+</file>
+
+<file path=ppt/slides/slide7.xml><?xml version="1.0" encoding="utf-8"?>
+<p:sld xmlns:a="http://schemas.openxmlformats.org/drawingml/2006/main" xmlns:r="http://schemas.openxmlformats.org/officeDocument/2006/relationships" xmlns:p="http://schemas.openxmlformats.org/presentationml/2006/main">
+  <p:cSld>
+    <p:spTree>
+      <p:nvGrpSpPr>
+        <p:cNvPr id="1" name=""/>
+        <p:cNvGrpSpPr/>
+        <p:nvPr/>
+      </p:nvGrpSpPr>
+      <p:grpSpPr>
+        <a:xfrm>
+          <a:off x="0" y="0"/>
+          <a:ext cx="0" cy="0"/>
+          <a:chOff x="0" y="0"/>
+          <a:chExt cx="0" cy="0"/>
+        </a:xfrm>
+      </p:grpSpPr>
+      <p:sp>
+        <p:nvSpPr>
+          <p:cNvPr id="2" name="Title 1"/>
+          <p:cNvSpPr>
+            <a:spLocks noGrp="1"/>
+          </p:cNvSpPr>
+          <p:nvPr>
+            <p:ph type="title"/>
+          </p:nvPr>
+        </p:nvSpPr>
+        <p:spPr/>
+        <p:txBody>
+          <a:bodyPr/>
+          <a:lstStyle/>
+          <a:p>
+            <a:r>
+              <a:rPr lang="en-US" dirty="0"/>
+              <a:t>6</a:t>
+            </a:r>
+            <a:r>
+              <a:rPr lang="en-US" dirty="0" smtClean="0"/>
+              <a:t>. </a:t>
             </a:r>
             <a:r>
               <a:rPr lang="en-US" dirty="0" err="1" smtClean="0"/>
@@ -6170,15 +7383,7 @@
                   <a:schemeClr val="tx1"/>
                 </a:solidFill>
               </a:rPr>
-              <a:t>     -</a:t>
-            </a:r>
-            <a:r>
-              <a:rPr lang="en-US" dirty="0" smtClean="0">
-                <a:solidFill>
-                  <a:schemeClr val="tx1"/>
-                </a:solidFill>
-              </a:rPr>
-              <a:t>com.bettle.track.jpa.repos.* </a:t>
+              <a:t>     -com.bettle.track.jpa.repos.* </a:t>
             </a:r>
             <a:r>
               <a:rPr lang="en-US" sz="1400" dirty="0" smtClean="0">
@@ -6514,7 +7719,7 @@
 </p:sld>
 </file>
 
-<file path=ppt/slides/slide7.xml><?xml version="1.0" encoding="utf-8"?>
+<file path=ppt/slides/slide8.xml><?xml version="1.0" encoding="utf-8"?>
 <p:sld xmlns:a="http://schemas.openxmlformats.org/drawingml/2006/main" xmlns:r="http://schemas.openxmlformats.org/officeDocument/2006/relationships" xmlns:p="http://schemas.openxmlformats.org/presentationml/2006/main">
   <p:cSld>
     <p:spTree>
@@ -6547,8 +7752,12 @@
           <a:lstStyle/>
           <a:p>
             <a:r>
+              <a:rPr lang="en-US" dirty="0"/>
+              <a:t>7</a:t>
+            </a:r>
+            <a:r>
               <a:rPr lang="en-US" dirty="0" smtClean="0"/>
-              <a:t>6. </a:t>
+              <a:t>. </a:t>
             </a:r>
             <a:r>
               <a:rPr lang="en-US" dirty="0" err="1" smtClean="0"/>
@@ -7066,7 +8275,7 @@
 </p:sld>
 </file>
 
-<file path=ppt/slides/slide8.xml><?xml version="1.0" encoding="utf-8"?>
+<file path=ppt/slides/slide9.xml><?xml version="1.0" encoding="utf-8"?>
 <p:sld xmlns:a="http://schemas.openxmlformats.org/drawingml/2006/main" xmlns:r="http://schemas.openxmlformats.org/officeDocument/2006/relationships" xmlns:p="http://schemas.openxmlformats.org/presentationml/2006/main">
   <p:cSld>
     <p:spTree>
@@ -7100,46 +8309,20 @@
           <a:p>
             <a:r>
               <a:rPr lang="en-US" dirty="0" smtClean="0"/>
-              <a:t>7. </a:t>
-            </a:r>
-            <a:r>
-              <a:rPr lang="en-US" dirty="0" err="1" smtClean="0"/>
-              <a:t>Configs</a:t>
+              <a:t>8</a:t>
             </a:r>
             <a:r>
               <a:rPr lang="en-US" dirty="0" smtClean="0"/>
-              <a:t> Directory</a:t>
+              <a:t>. Bettle-Service </a:t>
+            </a:r>
+            <a:r>
+              <a:rPr lang="en-US" dirty="0" smtClean="0"/>
+              <a:t>module files</a:t>
             </a:r>
             <a:endParaRPr lang="en-US" dirty="0"/>
           </a:p>
         </p:txBody>
       </p:sp>
-      <p:pic>
-        <p:nvPicPr>
-          <p:cNvPr id="4" name="Content Placeholder 3"/>
-          <p:cNvPicPr>
-            <a:picLocks noGrp="1" noChangeAspect="1"/>
-          </p:cNvPicPr>
-          <p:nvPr>
-            <p:ph idx="1"/>
-          </p:nvPr>
-        </p:nvPicPr>
-        <p:blipFill>
-          <a:blip r:embed="rId2"/>
-          <a:stretch>
-            <a:fillRect/>
-          </a:stretch>
-        </p:blipFill>
-        <p:spPr>
-          <a:xfrm>
-            <a:off x="838200" y="1690688"/>
-            <a:ext cx="3267075" cy="4200525"/>
-          </a:xfrm>
-          <a:prstGeom prst="rect">
-            <a:avLst/>
-          </a:prstGeom>
-        </p:spPr>
-      </p:pic>
       <p:sp>
         <p:nvSpPr>
           <p:cNvPr id="5" name="Rectangle 4"/>
@@ -7148,8 +8331,8 @@
         </p:nvSpPr>
         <p:spPr>
           <a:xfrm>
-            <a:off x="4528457" y="1690688"/>
-            <a:ext cx="6514012" cy="3281906"/>
+            <a:off x="4493623" y="1742942"/>
+            <a:ext cx="5660571" cy="2750681"/>
           </a:xfrm>
           <a:prstGeom prst="rect">
             <a:avLst/>
@@ -7190,7 +8373,7 @@
                   <a:schemeClr val="tx1"/>
                 </a:solidFill>
               </a:rPr>
-              <a:t>configs</a:t>
+              <a:t>src</a:t>
             </a:r>
             <a:endParaRPr lang="en-US" dirty="0" smtClean="0">
               <a:solidFill>
@@ -7200,30 +8383,36 @@
           </a:p>
           <a:p>
             <a:r>
+              <a:rPr lang="en-US" dirty="0">
+                <a:solidFill>
+                  <a:schemeClr val="tx1"/>
+                </a:solidFill>
+              </a:rPr>
+              <a:t> </a:t>
+            </a:r>
+            <a:r>
               <a:rPr lang="en-US" dirty="0" smtClean="0">
                 <a:solidFill>
                   <a:schemeClr val="tx1"/>
                 </a:solidFill>
               </a:rPr>
-              <a:t>-db2</a:t>
-            </a:r>
-          </a:p>
-          <a:p>
+              <a:t> -main</a:t>
+            </a:r>
             <a:r>
               <a:rPr lang="en-US" dirty="0" smtClean="0">
                 <a:solidFill>
-                  <a:schemeClr val="tx1"/>
-                </a:solidFill>
-              </a:rPr>
-              <a:t>-</a:t>
-            </a:r>
-            <a:r>
-              <a:rPr lang="en-US" dirty="0" err="1" smtClean="0">
-                <a:solidFill>
-                  <a:schemeClr val="tx1"/>
-                </a:solidFill>
-              </a:rPr>
-              <a:t>mongodb</a:t>
+                  <a:srgbClr val="FF0000"/>
+                </a:solidFill>
+              </a:rPr>
+              <a:t> </a:t>
+            </a:r>
+            <a:r>
+              <a:rPr lang="en-US" sz="1400" dirty="0" smtClean="0">
+                <a:solidFill>
+                  <a:srgbClr val="FF0000"/>
+                </a:solidFill>
+              </a:rPr>
+              <a:t>=&gt; All service layer files</a:t>
             </a:r>
             <a:endParaRPr lang="en-US" dirty="0" smtClean="0">
               <a:solidFill>
@@ -7233,20 +8422,28 @@
           </a:p>
           <a:p>
             <a:r>
+              <a:rPr lang="en-US" dirty="0">
+                <a:solidFill>
+                  <a:schemeClr val="tx1"/>
+                </a:solidFill>
+              </a:rPr>
+              <a:t> </a:t>
+            </a:r>
+            <a:r>
               <a:rPr lang="en-US" dirty="0" smtClean="0">
                 <a:solidFill>
                   <a:schemeClr val="tx1"/>
                 </a:solidFill>
               </a:rPr>
-              <a:t>-</a:t>
-            </a:r>
-            <a:r>
-              <a:rPr lang="en-US" dirty="0" err="1" smtClean="0">
-                <a:solidFill>
-                  <a:schemeClr val="tx1"/>
-                </a:solidFill>
-              </a:rPr>
-              <a:t>mysql</a:t>
+              <a:t>   -java </a:t>
+            </a:r>
+            <a:r>
+              <a:rPr lang="en-US" sz="1400" dirty="0" smtClean="0">
+                <a:solidFill>
+                  <a:srgbClr val="FF0000"/>
+                </a:solidFill>
+              </a:rPr>
+              <a:t>=&gt; JAVA classes</a:t>
             </a:r>
             <a:endParaRPr lang="en-US" dirty="0" smtClean="0">
               <a:solidFill>
@@ -7256,30 +8453,52 @@
           </a:p>
           <a:p>
             <a:r>
+              <a:rPr lang="en-US" dirty="0">
+                <a:solidFill>
+                  <a:schemeClr val="tx1"/>
+                </a:solidFill>
+              </a:rPr>
+              <a:t> </a:t>
+            </a:r>
+            <a:r>
               <a:rPr lang="en-US" dirty="0" smtClean="0">
                 <a:solidFill>
                   <a:schemeClr val="tx1"/>
                 </a:solidFill>
               </a:rPr>
-              <a:t>-oracle</a:t>
-            </a:r>
-          </a:p>
-          <a:p>
+              <a:t>     -</a:t>
+            </a:r>
             <a:r>
               <a:rPr lang="en-US" dirty="0" smtClean="0">
                 <a:solidFill>
                   <a:schemeClr val="tx1"/>
                 </a:solidFill>
               </a:rPr>
-              <a:t>-</a:t>
-            </a:r>
-            <a:r>
-              <a:rPr lang="en-US" dirty="0" err="1" smtClean="0">
-                <a:solidFill>
-                  <a:schemeClr val="tx1"/>
-                </a:solidFill>
-              </a:rPr>
-              <a:t>postgresql</a:t>
+              <a:t>com.bettle.track</a:t>
+            </a:r>
+            <a:r>
+              <a:rPr lang="en-US" dirty="0" smtClean="0">
+                <a:solidFill>
+                  <a:schemeClr val="tx1"/>
+                </a:solidFill>
+              </a:rPr>
+              <a:t>.services.*</a:t>
+            </a:r>
+            <a:r>
+              <a:rPr lang="en-US" dirty="0" smtClean="0">
+                <a:solidFill>
+                  <a:schemeClr val="tx1"/>
+                </a:solidFill>
+              </a:rPr>
+              <a:t> </a:t>
+            </a:r>
+            <a:r>
+              <a:rPr lang="en-US" sz="1400" dirty="0" smtClean="0">
+                <a:solidFill>
+                  <a:srgbClr val="FF0000"/>
+                </a:solidFill>
+              </a:rPr>
+              <a:t>=&gt; Root package</a:t>
             </a:r>
             <a:endParaRPr lang="en-US" dirty="0" smtClean="0">
               <a:solidFill>
@@ -7289,20 +8508,28 @@
           </a:p>
           <a:p>
             <a:r>
+              <a:rPr lang="en-US" dirty="0">
+                <a:solidFill>
+                  <a:schemeClr val="tx1"/>
+                </a:solidFill>
+              </a:rPr>
+              <a:t> </a:t>
+            </a:r>
+            <a:r>
               <a:rPr lang="en-US" dirty="0" smtClean="0">
                 <a:solidFill>
                   <a:schemeClr val="tx1"/>
                 </a:solidFill>
               </a:rPr>
-              <a:t>-</a:t>
-            </a:r>
-            <a:r>
-              <a:rPr lang="en-US" dirty="0" err="1" smtClean="0">
-                <a:solidFill>
-                  <a:schemeClr val="tx1"/>
-                </a:solidFill>
-              </a:rPr>
-              <a:t>sql</a:t>
+              <a:t> -test </a:t>
+            </a:r>
+            <a:r>
+              <a:rPr lang="en-US" sz="1400" dirty="0" smtClean="0">
+                <a:solidFill>
+                  <a:srgbClr val="FF0000"/>
+                </a:solidFill>
+              </a:rPr>
+              <a:t>=&gt; Test files</a:t>
             </a:r>
             <a:endParaRPr lang="en-US" dirty="0" smtClean="0">
               <a:solidFill>
@@ -7311,95 +8538,146 @@
             </a:endParaRPr>
           </a:p>
           <a:p>
+            <a:r>
+              <a:rPr lang="en-US" dirty="0">
+                <a:solidFill>
+                  <a:schemeClr val="tx1"/>
+                </a:solidFill>
+              </a:rPr>
+              <a:t> </a:t>
+            </a:r>
+            <a:r>
+              <a:rPr lang="en-US" dirty="0" smtClean="0">
+                <a:solidFill>
+                  <a:schemeClr val="tx1"/>
+                </a:solidFill>
+              </a:rPr>
+              <a:t>   -java </a:t>
+            </a:r>
+            <a:r>
+              <a:rPr lang="en-US" sz="1400" dirty="0" smtClean="0">
+                <a:solidFill>
+                  <a:srgbClr val="FF0000"/>
+                </a:solidFill>
+              </a:rPr>
+              <a:t>=&gt; JAVA classes</a:t>
+            </a:r>
+            <a:endParaRPr lang="en-US" dirty="0" smtClean="0">
+              <a:solidFill>
+                <a:schemeClr val="tx1"/>
+              </a:solidFill>
+            </a:endParaRPr>
+          </a:p>
+          <a:p>
+            <a:r>
+              <a:rPr lang="en-US" dirty="0">
+                <a:solidFill>
+                  <a:schemeClr val="tx1"/>
+                </a:solidFill>
+              </a:rPr>
+              <a:t> </a:t>
+            </a:r>
+            <a:r>
+              <a:rPr lang="en-US" dirty="0" smtClean="0">
+                <a:solidFill>
+                  <a:schemeClr val="tx1"/>
+                </a:solidFill>
+              </a:rPr>
+              <a:t>     -</a:t>
+            </a:r>
+            <a:r>
+              <a:rPr lang="en-US" dirty="0" smtClean="0">
+                <a:solidFill>
+                  <a:schemeClr val="tx1"/>
+                </a:solidFill>
+              </a:rPr>
+              <a:t>com.bettle.track.services.* </a:t>
+            </a:r>
+            <a:r>
+              <a:rPr lang="en-US" sz="1400" dirty="0" smtClean="0">
+                <a:solidFill>
+                  <a:srgbClr val="FF0000"/>
+                </a:solidFill>
+              </a:rPr>
+              <a:t>=&gt; Root package</a:t>
+            </a:r>
+            <a:endParaRPr lang="en-US" dirty="0" smtClean="0">
+              <a:solidFill>
+                <a:schemeClr val="tx1"/>
+              </a:solidFill>
+            </a:endParaRPr>
+          </a:p>
+          <a:p>
+            <a:r>
+              <a:rPr lang="en-US" dirty="0" smtClean="0">
+                <a:solidFill>
+                  <a:schemeClr val="tx1"/>
+                </a:solidFill>
+              </a:rPr>
+              <a:t>-</a:t>
+            </a:r>
+            <a:r>
+              <a:rPr lang="en-US" dirty="0" err="1" smtClean="0">
+                <a:solidFill>
+                  <a:schemeClr val="tx1"/>
+                </a:solidFill>
+              </a:rPr>
+              <a:t>build.gradle</a:t>
+            </a:r>
+            <a:r>
+              <a:rPr lang="en-US" dirty="0" smtClean="0">
+                <a:solidFill>
+                  <a:schemeClr val="tx1"/>
+                </a:solidFill>
+              </a:rPr>
+              <a:t> </a:t>
+            </a:r>
+            <a:r>
+              <a:rPr lang="en-US" sz="1400" dirty="0" smtClean="0">
+                <a:solidFill>
+                  <a:srgbClr val="FF0000"/>
+                </a:solidFill>
+              </a:rPr>
+              <a:t>=&gt; </a:t>
+            </a:r>
+            <a:r>
+              <a:rPr lang="en-US" sz="1400" dirty="0" smtClean="0">
+                <a:solidFill>
+                  <a:srgbClr val="FF0000"/>
+                </a:solidFill>
+              </a:rPr>
+              <a:t>Bettle-Service </a:t>
+            </a:r>
+            <a:r>
+              <a:rPr lang="en-US" sz="1400" dirty="0" smtClean="0">
+                <a:solidFill>
+                  <a:srgbClr val="FF0000"/>
+                </a:solidFill>
+              </a:rPr>
+              <a:t>module </a:t>
+            </a:r>
+            <a:r>
+              <a:rPr lang="en-US" sz="1400" dirty="0" err="1" smtClean="0">
+                <a:solidFill>
+                  <a:srgbClr val="FF0000"/>
+                </a:solidFill>
+              </a:rPr>
+              <a:t>gradle</a:t>
+            </a:r>
+            <a:r>
+              <a:rPr lang="en-US" sz="1400" dirty="0" smtClean="0">
+                <a:solidFill>
+                  <a:srgbClr val="FF0000"/>
+                </a:solidFill>
+              </a:rPr>
+              <a:t> file</a:t>
+            </a:r>
             <a:endParaRPr lang="en-US" dirty="0">
               <a:solidFill>
                 <a:schemeClr val="tx1"/>
               </a:solidFill>
             </a:endParaRPr>
           </a:p>
-          <a:p>
-            <a:r>
-              <a:rPr lang="en-US" dirty="0" smtClean="0">
-                <a:solidFill>
-                  <a:srgbClr val="FF0000"/>
-                </a:solidFill>
-              </a:rPr>
-              <a:t>Note:</a:t>
-            </a:r>
-          </a:p>
-          <a:p>
-            <a:pPr marL="285750" indent="-285750">
-              <a:buFontTx/>
-              <a:buChar char="-"/>
-            </a:pPr>
-            <a:r>
-              <a:rPr lang="en-US" dirty="0" err="1" smtClean="0">
-                <a:solidFill>
-                  <a:srgbClr val="FF0000"/>
-                </a:solidFill>
-              </a:rPr>
-              <a:t>application.properties</a:t>
-            </a:r>
-            <a:r>
-              <a:rPr lang="en-US" dirty="0" smtClean="0">
-                <a:solidFill>
-                  <a:srgbClr val="FF0000"/>
-                </a:solidFill>
-              </a:rPr>
-              <a:t> file is </a:t>
-            </a:r>
-            <a:r>
-              <a:rPr lang="en-US" dirty="0" err="1" smtClean="0">
-                <a:solidFill>
-                  <a:srgbClr val="FF0000"/>
-                </a:solidFill>
-              </a:rPr>
-              <a:t>SpringBoot</a:t>
-            </a:r>
-            <a:r>
-              <a:rPr lang="en-US" dirty="0" smtClean="0">
-                <a:solidFill>
-                  <a:srgbClr val="FF0000"/>
-                </a:solidFill>
-              </a:rPr>
-              <a:t> and Database </a:t>
-            </a:r>
-            <a:r>
-              <a:rPr lang="en-US" dirty="0" err="1" smtClean="0">
-                <a:solidFill>
-                  <a:srgbClr val="FF0000"/>
-                </a:solidFill>
-              </a:rPr>
-              <a:t>config</a:t>
-            </a:r>
-            <a:r>
-              <a:rPr lang="en-US" dirty="0" smtClean="0">
-                <a:solidFill>
-                  <a:srgbClr val="FF0000"/>
-                </a:solidFill>
-              </a:rPr>
-              <a:t> file</a:t>
-            </a:r>
-          </a:p>
-          <a:p>
-            <a:pPr marL="285750" indent="-285750">
-              <a:buFontTx/>
-              <a:buChar char="-"/>
-            </a:pPr>
-            <a:r>
-              <a:rPr lang="en-US" dirty="0" smtClean="0">
-                <a:solidFill>
-                  <a:srgbClr val="FF0000"/>
-                </a:solidFill>
-              </a:rPr>
-              <a:t>*.jar file is JAVA database driver file</a:t>
-            </a:r>
-            <a:endParaRPr lang="en-US" dirty="0">
-              <a:solidFill>
-                <a:srgbClr val="FF0000"/>
-              </a:solidFill>
-            </a:endParaRPr>
-          </a:p>
         </p:txBody>
       </p:sp>
       <p:sp>
@@ -7410,8 +8688,8 @@
         </p:nvSpPr>
         <p:spPr>
           <a:xfrm>
-            <a:off x="838200" y="5891213"/>
-            <a:ext cx="8126624" cy="738664"/>
+            <a:off x="838200" y="4994759"/>
+            <a:ext cx="8126624" cy="954107"/>
           </a:xfrm>
           <a:prstGeom prst="rect">
             <a:avLst/>
@@ -7443,111 +8721,88 @@
                   <a:schemeClr val="accent1"/>
                 </a:solidFill>
               </a:rPr>
-              <a:t>All </a:t>
-            </a:r>
-            <a:r>
-              <a:rPr lang="en-US" sz="1400" dirty="0" err="1" smtClean="0">
+              <a:t>Service layer service classes</a:t>
+            </a:r>
+          </a:p>
+          <a:p>
+            <a:r>
+              <a:rPr lang="en-IN" sz="1400" dirty="0" smtClean="0">
                 <a:solidFill>
                   <a:schemeClr val="accent1"/>
                 </a:solidFill>
               </a:rPr>
-              <a:t>config</a:t>
-            </a:r>
-            <a:r>
-              <a:rPr lang="en-US" sz="1400" dirty="0" smtClean="0">
+              <a:t>         - Will uses the </a:t>
+            </a:r>
+            <a:r>
+              <a:rPr lang="en-IN" sz="1400" dirty="0" err="1" smtClean="0">
                 <a:solidFill>
                   <a:schemeClr val="accent1"/>
                 </a:solidFill>
               </a:rPr>
-              <a:t> files for war generation.</a:t>
-            </a:r>
-          </a:p>
-          <a:p>
-            <a:pPr marL="342900" indent="-342900">
-              <a:buAutoNum type="arabicPeriod"/>
-            </a:pPr>
-            <a:r>
-              <a:rPr lang="en-US" sz="1400" dirty="0" err="1" smtClean="0">
+              <a:t>bettle</a:t>
+            </a:r>
+            <a:r>
+              <a:rPr lang="en-IN" sz="1400" dirty="0" smtClean="0">
                 <a:solidFill>
                   <a:schemeClr val="accent1"/>
                 </a:solidFill>
               </a:rPr>
-              <a:t>Build.gradle</a:t>
-            </a:r>
-            <a:r>
-              <a:rPr lang="en-US" sz="1400" dirty="0" smtClean="0">
+              <a:t>-repo interfaces</a:t>
+            </a:r>
+          </a:p>
+          <a:p>
+            <a:r>
+              <a:rPr lang="en-IN" sz="1400" dirty="0">
                 <a:solidFill>
                   <a:schemeClr val="accent1"/>
                 </a:solidFill>
               </a:rPr>
-              <a:t> includes these files while generating the war files</a:t>
-            </a:r>
-          </a:p>
-        </p:txBody>
-      </p:sp>
+              <a:t> </a:t>
+            </a:r>
+            <a:r>
+              <a:rPr lang="en-IN" sz="1400" dirty="0" smtClean="0">
+                <a:solidFill>
+                  <a:schemeClr val="accent1"/>
+                </a:solidFill>
+              </a:rPr>
+              <a:t>        - Will use in controller layer</a:t>
+            </a:r>
+            <a:endParaRPr lang="en-US" sz="1400" dirty="0" smtClean="0">
+              <a:solidFill>
+                <a:schemeClr val="accent1"/>
+              </a:solidFill>
+            </a:endParaRPr>
+          </a:p>
+        </p:txBody>
+      </p:sp>
+      <p:pic>
+        <p:nvPicPr>
+          <p:cNvPr id="7" name="Picture 6"/>
+          <p:cNvPicPr>
+            <a:picLocks noChangeAspect="1"/>
+          </p:cNvPicPr>
+          <p:nvPr/>
+        </p:nvPicPr>
+        <p:blipFill>
+          <a:blip r:embed="rId2"/>
+          <a:stretch>
+            <a:fillRect/>
+          </a:stretch>
+        </p:blipFill>
+        <p:spPr>
+          <a:xfrm>
+            <a:off x="882396" y="1803273"/>
+            <a:ext cx="3276600" cy="2190750"/>
+          </a:xfrm>
+          <a:prstGeom prst="rect">
+            <a:avLst/>
+          </a:prstGeom>
+        </p:spPr>
+      </p:pic>
     </p:spTree>
     <p:extLst>
       <p:ext uri="{BB962C8B-B14F-4D97-AF65-F5344CB8AC3E}">
-        <p14:creationId xmlns:p14="http://schemas.microsoft.com/office/powerpoint/2010/main" val="2294914125"/>
-      </p:ext>
-    </p:extLst>
-  </p:cSld>
-  <p:clrMapOvr>
-    <a:masterClrMapping/>
-  </p:clrMapOvr>
-</p:sld>
-</file>
-
-<file path=ppt/slides/slide9.xml><?xml version="1.0" encoding="utf-8"?>
-<p:sld xmlns:a="http://schemas.openxmlformats.org/drawingml/2006/main" xmlns:r="http://schemas.openxmlformats.org/officeDocument/2006/relationships" xmlns:p="http://schemas.openxmlformats.org/presentationml/2006/main">
-  <p:cSld>
-    <p:spTree>
-      <p:nvGrpSpPr>
-        <p:cNvPr id="1" name=""/>
-        <p:cNvGrpSpPr/>
-        <p:nvPr/>
-      </p:nvGrpSpPr>
-      <p:grpSpPr>
-        <a:xfrm>
-          <a:off x="0" y="0"/>
-          <a:ext cx="0" cy="0"/>
-          <a:chOff x="0" y="0"/>
-          <a:chExt cx="0" cy="0"/>
-        </a:xfrm>
-      </p:grpSpPr>
-      <p:sp>
-        <p:nvSpPr>
-          <p:cNvPr id="2" name="Title 1"/>
-          <p:cNvSpPr>
-            <a:spLocks noGrp="1"/>
-          </p:cNvSpPr>
-          <p:nvPr>
-            <p:ph type="title"/>
-          </p:nvPr>
-        </p:nvSpPr>
-        <p:spPr>
-          <a:xfrm>
-            <a:off x="1082040" y="2594519"/>
-            <a:ext cx="10515600" cy="1325563"/>
-          </a:xfrm>
-        </p:spPr>
-        <p:txBody>
-          <a:bodyPr/>
-          <a:lstStyle/>
-          <a:p>
-            <a:pPr algn="ctr"/>
-            <a:r>
-              <a:rPr lang="en-US" dirty="0" smtClean="0"/>
-              <a:t>EOF</a:t>
-            </a:r>
-            <a:endParaRPr lang="en-US" dirty="0"/>
-          </a:p>
-        </p:txBody>
-      </p:sp>
-    </p:spTree>
-    <p:extLst>
-      <p:ext uri="{BB962C8B-B14F-4D97-AF65-F5344CB8AC3E}">
-        <p14:creationId xmlns:p14="http://schemas.microsoft.com/office/powerpoint/2010/main" val="3844894207"/>
+        <p14:creationId xmlns:p14="http://schemas.microsoft.com/office/powerpoint/2010/main" val="1250067868"/>
       </p:ext>
     </p:extLst>
   </p:cSld>
